--- a/PPT/PART 6.pptx
+++ b/PPT/PART 6.pptx
@@ -266,7 +266,7 @@
           <a:p>
             <a:fld id="{48A87A34-81AB-432B-8DAE-1953F412C126}" type="datetimeFigureOut">
               <a:rPr lang="en-US" dirty="0"/>
-              <a:t>3/30/2021</a:t>
+              <a:t>4/11/2021</a:t>
             </a:fld>
             <a:endParaRPr lang="en-US" dirty="0"/>
           </a:p>
@@ -472,7 +472,7 @@
           <a:p>
             <a:fld id="{48A87A34-81AB-432B-8DAE-1953F412C126}" type="datetimeFigureOut">
               <a:rPr lang="en-US" dirty="0"/>
-              <a:t>3/30/2021</a:t>
+              <a:t>4/11/2021</a:t>
             </a:fld>
             <a:endParaRPr lang="en-US" dirty="0"/>
           </a:p>
@@ -682,7 +682,7 @@
           <a:p>
             <a:fld id="{48A87A34-81AB-432B-8DAE-1953F412C126}" type="datetimeFigureOut">
               <a:rPr lang="en-US" dirty="0"/>
-              <a:t>3/30/2021</a:t>
+              <a:t>4/11/2021</a:t>
             </a:fld>
             <a:endParaRPr lang="en-US" dirty="0"/>
           </a:p>
@@ -878,7 +878,7 @@
           <a:p>
             <a:fld id="{48A87A34-81AB-432B-8DAE-1953F412C126}" type="datetimeFigureOut">
               <a:rPr lang="en-US" dirty="0"/>
-              <a:t>3/30/2021</a:t>
+              <a:t>4/11/2021</a:t>
             </a:fld>
             <a:endParaRPr lang="en-US" dirty="0"/>
           </a:p>
@@ -1152,7 +1152,7 @@
           <a:p>
             <a:fld id="{48A87A34-81AB-432B-8DAE-1953F412C126}" type="datetimeFigureOut">
               <a:rPr lang="en-US" dirty="0"/>
-              <a:t>3/30/2021</a:t>
+              <a:t>4/11/2021</a:t>
             </a:fld>
             <a:endParaRPr lang="en-US" dirty="0"/>
           </a:p>
@@ -1415,7 +1415,7 @@
           <a:p>
             <a:fld id="{48A87A34-81AB-432B-8DAE-1953F412C126}" type="datetimeFigureOut">
               <a:rPr lang="en-US" dirty="0"/>
-              <a:t>3/30/2021</a:t>
+              <a:t>4/11/2021</a:t>
             </a:fld>
             <a:endParaRPr lang="en-US" dirty="0"/>
           </a:p>
@@ -1826,7 +1826,7 @@
           <a:p>
             <a:fld id="{48A87A34-81AB-432B-8DAE-1953F412C126}" type="datetimeFigureOut">
               <a:rPr lang="en-US" dirty="0"/>
-              <a:t>3/30/2021</a:t>
+              <a:t>4/11/2021</a:t>
             </a:fld>
             <a:endParaRPr lang="en-US" dirty="0"/>
           </a:p>
@@ -1970,7 +1970,7 @@
           <a:p>
             <a:fld id="{48A87A34-81AB-432B-8DAE-1953F412C126}" type="datetimeFigureOut">
               <a:rPr lang="en-US" dirty="0"/>
-              <a:t>3/30/2021</a:t>
+              <a:t>4/11/2021</a:t>
             </a:fld>
             <a:endParaRPr lang="en-US" dirty="0"/>
           </a:p>
@@ -2091,7 +2091,7 @@
           <a:p>
             <a:fld id="{48A87A34-81AB-432B-8DAE-1953F412C126}" type="datetimeFigureOut">
               <a:rPr lang="en-US" dirty="0"/>
-              <a:t>3/30/2021</a:t>
+              <a:t>4/11/2021</a:t>
             </a:fld>
             <a:endParaRPr lang="en-US" dirty="0"/>
           </a:p>
@@ -2337,7 +2337,7 @@
           <a:p>
             <a:fld id="{48A87A34-81AB-432B-8DAE-1953F412C126}" type="datetimeFigureOut">
               <a:rPr lang="en-US" dirty="0"/>
-              <a:t>3/30/2021</a:t>
+              <a:t>4/11/2021</a:t>
             </a:fld>
             <a:endParaRPr lang="en-US" dirty="0"/>
           </a:p>
@@ -2778,7 +2778,7 @@
             <a:fld id="{48A87A34-81AB-432B-8DAE-1953F412C126}" type="datetimeFigureOut">
               <a:rPr lang="en-US" dirty="0"/>
               <a:pPr/>
-              <a:t>3/30/2021</a:t>
+              <a:t>4/11/2021</a:t>
             </a:fld>
             <a:endParaRPr lang="en-US" dirty="0"/>
           </a:p>
@@ -3101,7 +3101,7 @@
             <a:fld id="{48A87A34-81AB-432B-8DAE-1953F412C126}" type="datetimeFigureOut">
               <a:rPr lang="en-US" dirty="0"/>
               <a:pPr/>
-              <a:t>3/30/2021</a:t>
+              <a:t>4/11/2021</a:t>
             </a:fld>
             <a:endParaRPr lang="en-US" dirty="0"/>
           </a:p>
